--- a/geography/geography-hypothesis.pptx
+++ b/geography/geography-hypothesis.pptx
@@ -247,7 +247,7 @@
           <a:p>
             <a:fld id="{723197AA-12C3-4386-A010-F07F26D418ED}" type="datetimeFigureOut">
               <a:rPr lang="zh-CN" altLang="en-US" smtClean="0"/>
-              <a:t>2017/3/31</a:t>
+              <a:t>2017/4/11</a:t>
             </a:fld>
             <a:endParaRPr lang="zh-CN" altLang="en-US"/>
           </a:p>
@@ -417,7 +417,7 @@
           <a:p>
             <a:fld id="{723197AA-12C3-4386-A010-F07F26D418ED}" type="datetimeFigureOut">
               <a:rPr lang="zh-CN" altLang="en-US" smtClean="0"/>
-              <a:t>2017/3/31</a:t>
+              <a:t>2017/4/11</a:t>
             </a:fld>
             <a:endParaRPr lang="zh-CN" altLang="en-US"/>
           </a:p>
@@ -597,7 +597,7 @@
           <a:p>
             <a:fld id="{723197AA-12C3-4386-A010-F07F26D418ED}" type="datetimeFigureOut">
               <a:rPr lang="zh-CN" altLang="en-US" smtClean="0"/>
-              <a:t>2017/3/31</a:t>
+              <a:t>2017/4/11</a:t>
             </a:fld>
             <a:endParaRPr lang="zh-CN" altLang="en-US"/>
           </a:p>
@@ -767,7 +767,7 @@
           <a:p>
             <a:fld id="{723197AA-12C3-4386-A010-F07F26D418ED}" type="datetimeFigureOut">
               <a:rPr lang="zh-CN" altLang="en-US" smtClean="0"/>
-              <a:t>2017/3/31</a:t>
+              <a:t>2017/4/11</a:t>
             </a:fld>
             <a:endParaRPr lang="zh-CN" altLang="en-US"/>
           </a:p>
@@ -1013,7 +1013,7 @@
           <a:p>
             <a:fld id="{723197AA-12C3-4386-A010-F07F26D418ED}" type="datetimeFigureOut">
               <a:rPr lang="zh-CN" altLang="en-US" smtClean="0"/>
-              <a:t>2017/3/31</a:t>
+              <a:t>2017/4/11</a:t>
             </a:fld>
             <a:endParaRPr lang="zh-CN" altLang="en-US"/>
           </a:p>
@@ -1245,7 +1245,7 @@
           <a:p>
             <a:fld id="{723197AA-12C3-4386-A010-F07F26D418ED}" type="datetimeFigureOut">
               <a:rPr lang="zh-CN" altLang="en-US" smtClean="0"/>
-              <a:t>2017/3/31</a:t>
+              <a:t>2017/4/11</a:t>
             </a:fld>
             <a:endParaRPr lang="zh-CN" altLang="en-US"/>
           </a:p>
@@ -1612,7 +1612,7 @@
           <a:p>
             <a:fld id="{723197AA-12C3-4386-A010-F07F26D418ED}" type="datetimeFigureOut">
               <a:rPr lang="zh-CN" altLang="en-US" smtClean="0"/>
-              <a:t>2017/3/31</a:t>
+              <a:t>2017/4/11</a:t>
             </a:fld>
             <a:endParaRPr lang="zh-CN" altLang="en-US"/>
           </a:p>
@@ -1730,7 +1730,7 @@
           <a:p>
             <a:fld id="{723197AA-12C3-4386-A010-F07F26D418ED}" type="datetimeFigureOut">
               <a:rPr lang="zh-CN" altLang="en-US" smtClean="0"/>
-              <a:t>2017/3/31</a:t>
+              <a:t>2017/4/11</a:t>
             </a:fld>
             <a:endParaRPr lang="zh-CN" altLang="en-US"/>
           </a:p>
@@ -1825,7 +1825,7 @@
           <a:p>
             <a:fld id="{723197AA-12C3-4386-A010-F07F26D418ED}" type="datetimeFigureOut">
               <a:rPr lang="zh-CN" altLang="en-US" smtClean="0"/>
-              <a:t>2017/3/31</a:t>
+              <a:t>2017/4/11</a:t>
             </a:fld>
             <a:endParaRPr lang="zh-CN" altLang="en-US"/>
           </a:p>
@@ -2102,7 +2102,7 @@
           <a:p>
             <a:fld id="{723197AA-12C3-4386-A010-F07F26D418ED}" type="datetimeFigureOut">
               <a:rPr lang="zh-CN" altLang="en-US" smtClean="0"/>
-              <a:t>2017/3/31</a:t>
+              <a:t>2017/4/11</a:t>
             </a:fld>
             <a:endParaRPr lang="zh-CN" altLang="en-US"/>
           </a:p>
@@ -2355,7 +2355,7 @@
           <a:p>
             <a:fld id="{723197AA-12C3-4386-A010-F07F26D418ED}" type="datetimeFigureOut">
               <a:rPr lang="zh-CN" altLang="en-US" smtClean="0"/>
-              <a:t>2017/3/31</a:t>
+              <a:t>2017/4/11</a:t>
             </a:fld>
             <a:endParaRPr lang="zh-CN" altLang="en-US"/>
           </a:p>
@@ -2568,7 +2568,7 @@
           <a:p>
             <a:fld id="{723197AA-12C3-4386-A010-F07F26D418ED}" type="datetimeFigureOut">
               <a:rPr lang="zh-CN" altLang="en-US" smtClean="0"/>
-              <a:t>2017/3/31</a:t>
+              <a:t>2017/4/11</a:t>
             </a:fld>
             <a:endParaRPr lang="zh-CN" altLang="en-US"/>
           </a:p>
@@ -3013,11 +3013,7 @@
           <a:p>
             <a:r>
               <a:rPr lang="en-US" altLang="zh-CN" smtClean="0"/>
-              <a:t>Michael </a:t>
-            </a:r>
-            <a:r>
-              <a:rPr lang="en-US" altLang="zh-CN" smtClean="0"/>
-              <a:t>3778 G2-w</a:t>
+              <a:t>Michael 3778 G2-w</a:t>
             </a:r>
             <a:endParaRPr lang="zh-CN" altLang="en-US" dirty="0"/>
           </a:p>
@@ -3093,11 +3089,7 @@
           <a:p>
             <a:r>
               <a:rPr lang="en-US" altLang="zh-CN" dirty="0" smtClean="0"/>
-              <a:t>tourists</a:t>
-            </a:r>
-            <a:r>
-              <a:rPr lang="en-US" altLang="zh-CN" dirty="0" smtClean="0"/>
-              <a:t> spent more time on the beach than in the town</a:t>
+              <a:t>tourists spent more time on the beach than in the town</a:t>
             </a:r>
             <a:endParaRPr lang="zh-CN" altLang="en-US" dirty="0"/>
           </a:p>
